--- a/Documentação/Use case.pptx
+++ b/Documentação/Use case.pptx
@@ -275,7 +275,7 @@
           <a:p>
             <a:fld id="{1160EA64-D806-43AC-9DF2-F8C432F32B4C}" type="datetimeFigureOut">
               <a:rPr lang="en-US" dirty="0"/>
-              <a:t>10/21/2019</a:t>
+              <a:t>10/23/2019</a:t>
             </a:fld>
             <a:endParaRPr lang="en-US" dirty="0"/>
           </a:p>
@@ -441,7 +441,7 @@
           <a:p>
             <a:fld id="{E9F9C37B-1D36-470B-8223-D6C91242EC14}" type="datetimeFigureOut">
               <a:rPr lang="en-US" dirty="0"/>
-              <a:t>10/21/2019</a:t>
+              <a:t>10/23/2019</a:t>
             </a:fld>
             <a:endParaRPr lang="en-US" dirty="0"/>
           </a:p>
@@ -616,7 +616,7 @@
           <a:p>
             <a:fld id="{67C6F52A-A82B-47A2-A83A-8C4C91F2D59F}" type="datetimeFigureOut">
               <a:rPr lang="en-US" dirty="0"/>
-              <a:t>10/21/2019</a:t>
+              <a:t>10/23/2019</a:t>
             </a:fld>
             <a:endParaRPr lang="en-US" dirty="0"/>
           </a:p>
@@ -781,7 +781,7 @@
           <a:p>
             <a:fld id="{F070A7B3-6521-4DCA-87E5-044747A908C1}" type="datetimeFigureOut">
               <a:rPr lang="en-US" dirty="0"/>
-              <a:t>10/21/2019</a:t>
+              <a:t>10/23/2019</a:t>
             </a:fld>
             <a:endParaRPr lang="en-US" dirty="0"/>
           </a:p>
@@ -1045,7 +1045,7 @@
           <a:p>
             <a:fld id="{1160EA64-D806-43AC-9DF2-F8C432F32B4C}" type="datetimeFigureOut">
               <a:rPr lang="en-US" dirty="0"/>
-              <a:t>10/21/2019</a:t>
+              <a:t>10/23/2019</a:t>
             </a:fld>
             <a:endParaRPr lang="en-US" dirty="0"/>
           </a:p>
@@ -1273,7 +1273,7 @@
           <a:p>
             <a:fld id="{AB134690-1557-4C89-A502-4959FE7FAD70}" type="datetimeFigureOut">
               <a:rPr lang="en-US" dirty="0"/>
-              <a:t>10/21/2019</a:t>
+              <a:t>10/23/2019</a:t>
             </a:fld>
             <a:endParaRPr lang="en-US" dirty="0"/>
           </a:p>
@@ -1627,7 +1627,7 @@
           <a:p>
             <a:fld id="{4F7D4976-E339-4826-83B7-FBD03F55ECF8}" type="datetimeFigureOut">
               <a:rPr lang="en-US" dirty="0"/>
-              <a:t>10/21/2019</a:t>
+              <a:t>10/23/2019</a:t>
             </a:fld>
             <a:endParaRPr lang="en-US" dirty="0"/>
           </a:p>
@@ -1763,7 +1763,7 @@
           <a:p>
             <a:fld id="{E1037C31-9E7A-4F99-8774-A0E530DE1A42}" type="datetimeFigureOut">
               <a:rPr lang="en-US" dirty="0"/>
-              <a:t>10/21/2019</a:t>
+              <a:t>10/23/2019</a:t>
             </a:fld>
             <a:endParaRPr lang="en-US" dirty="0"/>
           </a:p>
@@ -1853,7 +1853,7 @@
           <a:p>
             <a:fld id="{C278504F-A551-4DE0-9316-4DCD1D8CC752}" type="datetimeFigureOut">
               <a:rPr lang="en-US" dirty="0"/>
-              <a:t>10/21/2019</a:t>
+              <a:t>10/23/2019</a:t>
             </a:fld>
             <a:endParaRPr lang="en-US" dirty="0"/>
           </a:p>
@@ -2205,7 +2205,7 @@
           <a:p>
             <a:fld id="{D1BE4249-C0D0-4B06-8692-E8BB871AF643}" type="datetimeFigureOut">
               <a:rPr lang="en-US" dirty="0"/>
-              <a:t>10/21/2019</a:t>
+              <a:t>10/23/2019</a:t>
             </a:fld>
             <a:endParaRPr lang="en-US" dirty="0"/>
           </a:p>
@@ -2557,7 +2557,7 @@
           <a:p>
             <a:fld id="{042B0DB6-F5C7-45FB-8CF3-31B45F9C2DAC}" type="datetimeFigureOut">
               <a:rPr lang="en-US" dirty="0"/>
-              <a:t>10/21/2019</a:t>
+              <a:t>10/23/2019</a:t>
             </a:fld>
             <a:endParaRPr lang="en-US" dirty="0"/>
           </a:p>
@@ -2794,7 +2794,7 @@
           <a:p>
             <a:fld id="{1160EA64-D806-43AC-9DF2-F8C432F32B4C}" type="datetimeFigureOut">
               <a:rPr lang="en-US" dirty="0"/>
-              <a:t>10/21/2019</a:t>
+              <a:t>10/23/2019</a:t>
             </a:fld>
             <a:endParaRPr lang="en-US" dirty="0"/>
           </a:p>
@@ -3280,52 +3280,6 @@
       </p:sp>
       <p:sp>
         <p:nvSpPr>
-          <p:cNvPr id="4" name="Retângulo 3">
-            <a:extLst>
-              <a:ext uri="{FF2B5EF4-FFF2-40B4-BE49-F238E27FC236}">
-                <a16:creationId xmlns:a16="http://schemas.microsoft.com/office/drawing/2014/main" id="{1B57CB35-8C92-4C45-82D7-36963615FEC0}"/>
-              </a:ext>
-            </a:extLst>
-          </p:cNvPr>
-          <p:cNvSpPr/>
-          <p:nvPr/>
-        </p:nvSpPr>
-        <p:spPr>
-          <a:xfrm>
-            <a:off x="3486707" y="1121089"/>
-            <a:ext cx="6123234" cy="5316583"/>
-          </a:xfrm>
-          <a:prstGeom prst="rect">
-            <a:avLst/>
-          </a:prstGeom>
-        </p:spPr>
-        <p:style>
-          <a:lnRef idx="2">
-            <a:schemeClr val="accent1">
-              <a:shade val="50000"/>
-            </a:schemeClr>
-          </a:lnRef>
-          <a:fillRef idx="1">
-            <a:schemeClr val="accent1"/>
-          </a:fillRef>
-          <a:effectRef idx="0">
-            <a:schemeClr val="accent1"/>
-          </a:effectRef>
-          <a:fontRef idx="minor">
-            <a:schemeClr val="lt1"/>
-          </a:fontRef>
-        </p:style>
-        <p:txBody>
-          <a:bodyPr rtlCol="0" anchor="ctr"/>
-          <a:lstStyle/>
-          <a:p>
-            <a:pPr algn="ctr"/>
-            <a:endParaRPr lang="pt-BR" dirty="0"/>
-          </a:p>
-        </p:txBody>
-      </p:sp>
-      <p:sp>
-        <p:nvSpPr>
           <p:cNvPr id="12" name="Retângulo 11">
             <a:extLst>
               <a:ext uri="{FF2B5EF4-FFF2-40B4-BE49-F238E27FC236}">
@@ -3614,44 +3568,6 @@
             <a:r>
               <a:rPr lang="pt-BR" sz="1600" dirty="0"/>
               <a:t>Interromper processos não desejados</a:t>
-            </a:r>
-          </a:p>
-        </p:txBody>
-      </p:sp>
-      <p:sp>
-        <p:nvSpPr>
-          <p:cNvPr id="65" name="CaixaDeTexto 64">
-            <a:extLst>
-              <a:ext uri="{FF2B5EF4-FFF2-40B4-BE49-F238E27FC236}">
-                <a16:creationId xmlns:a16="http://schemas.microsoft.com/office/drawing/2014/main" id="{5CF0BC0E-BE69-4DE0-B45E-FC562094BC9F}"/>
-              </a:ext>
-            </a:extLst>
-          </p:cNvPr>
-          <p:cNvSpPr txBox="1"/>
-          <p:nvPr/>
-        </p:nvSpPr>
-        <p:spPr>
-          <a:xfrm rot="16200000">
-            <a:off x="758763" y="3739580"/>
-            <a:ext cx="969016" cy="646331"/>
-          </a:xfrm>
-          <a:prstGeom prst="rect">
-            <a:avLst/>
-          </a:prstGeom>
-          <a:noFill/>
-        </p:spPr>
-        <p:txBody>
-          <a:bodyPr wrap="square" rtlCol="0">
-            <a:spAutoFit/>
-          </a:bodyPr>
-          <a:lstStyle/>
-          <a:p>
-            <a:endParaRPr lang="pt-BR" dirty="0"/>
-          </a:p>
-          <a:p>
-            <a:r>
-              <a:rPr lang="pt-BR" dirty="0"/>
-              <a:t>------- &gt;</a:t>
             </a:r>
           </a:p>
         </p:txBody>
@@ -5171,6 +5087,97 @@
             <a:solidFill>
               <a:schemeClr val="bg1"/>
             </a:solidFill>
+          </a:ln>
+        </p:spPr>
+        <p:style>
+          <a:lnRef idx="1">
+            <a:schemeClr val="accent1"/>
+          </a:lnRef>
+          <a:fillRef idx="0">
+            <a:schemeClr val="accent1"/>
+          </a:fillRef>
+          <a:effectRef idx="0">
+            <a:schemeClr val="accent1"/>
+          </a:effectRef>
+          <a:fontRef idx="minor">
+            <a:schemeClr val="tx1"/>
+          </a:fontRef>
+        </p:style>
+      </p:cxnSp>
+      <p:cxnSp>
+        <p:nvCxnSpPr>
+          <p:cNvPr id="14" name="Conector de Seta Reta 13">
+            <a:extLst>
+              <a:ext uri="{FF2B5EF4-FFF2-40B4-BE49-F238E27FC236}">
+                <a16:creationId xmlns:a16="http://schemas.microsoft.com/office/drawing/2014/main" id="{59DA8188-D36F-43F0-ABFC-6C2E0D2B7E6C}"/>
+              </a:ext>
+            </a:extLst>
+          </p:cNvPr>
+          <p:cNvCxnSpPr>
+            <a:cxnSpLocks/>
+          </p:cNvCxnSpPr>
+          <p:nvPr/>
+        </p:nvCxnSpPr>
+        <p:spPr>
+          <a:xfrm flipV="1">
+            <a:off x="1400020" y="3779381"/>
+            <a:ext cx="0" cy="692721"/>
+          </a:xfrm>
+          <a:prstGeom prst="straightConnector1">
+            <a:avLst/>
+          </a:prstGeom>
+          <a:ln w="9525" cap="flat" cmpd="sng" algn="ctr">
+            <a:solidFill>
+              <a:schemeClr val="dk1"/>
+            </a:solidFill>
+            <a:prstDash val="dash"/>
+            <a:round/>
+            <a:headEnd type="none" w="med" len="med"/>
+            <a:tailEnd type="none" w="med" len="med"/>
+          </a:ln>
+        </p:spPr>
+        <p:style>
+          <a:lnRef idx="0">
+            <a:scrgbClr r="0" g="0" b="0"/>
+          </a:lnRef>
+          <a:fillRef idx="0">
+            <a:scrgbClr r="0" g="0" b="0"/>
+          </a:fillRef>
+          <a:effectRef idx="0">
+            <a:scrgbClr r="0" g="0" b="0"/>
+          </a:effectRef>
+          <a:fontRef idx="minor">
+            <a:schemeClr val="tx1"/>
+          </a:fontRef>
+        </p:style>
+      </p:cxnSp>
+      <p:cxnSp>
+        <p:nvCxnSpPr>
+          <p:cNvPr id="22" name="Conector de Seta Reta 21">
+            <a:extLst>
+              <a:ext uri="{FF2B5EF4-FFF2-40B4-BE49-F238E27FC236}">
+                <a16:creationId xmlns:a16="http://schemas.microsoft.com/office/drawing/2014/main" id="{CB934D55-0A1C-424B-88CD-6BF0706DBC5D}"/>
+              </a:ext>
+            </a:extLst>
+          </p:cNvPr>
+          <p:cNvCxnSpPr>
+            <a:cxnSpLocks/>
+          </p:cNvCxnSpPr>
+          <p:nvPr/>
+        </p:nvCxnSpPr>
+        <p:spPr>
+          <a:xfrm flipV="1">
+            <a:off x="1400021" y="3734721"/>
+            <a:ext cx="1" cy="243202"/>
+          </a:xfrm>
+          <a:prstGeom prst="straightConnector1">
+            <a:avLst/>
+          </a:prstGeom>
+          <a:ln>
+            <a:solidFill>
+              <a:schemeClr val="bg1"/>
+            </a:solidFill>
+            <a:tailEnd type="triangle"/>
           </a:ln>
         </p:spPr>
         <p:style>
@@ -5486,7 +5493,7 @@
 </file>
 
 <file path=customXml/itemProps1.xml><?xml version="1.0" encoding="utf-8"?>
-<ds:datastoreItem xmlns:ds="http://schemas.openxmlformats.org/officeDocument/2006/customXml" ds:itemID="{0F8FDCF6-8C05-45D7-8AF7-00DA52C2A97F}">
+<ds:datastoreItem xmlns:ds="http://schemas.openxmlformats.org/officeDocument/2006/customXml" ds:itemID="{E9BDF181-139B-4AA7-96EC-F171F462A447}">
   <ds:schemaRefs>
     <ds:schemaRef ds:uri="http://schemas.microsoft.com/VisualStudio/2011/storyboarding/control"/>
   </ds:schemaRefs>
@@ -5494,6 +5501,14 @@
 </file>
 
 <file path=customXml/itemProps2.xml><?xml version="1.0" encoding="utf-8"?>
+<ds:datastoreItem xmlns:ds="http://schemas.openxmlformats.org/officeDocument/2006/customXml" ds:itemID="{65676791-3E50-4FF1-8800-0FCAF2DB5B7B}">
+  <ds:schemaRefs>
+    <ds:schemaRef ds:uri="http://schemas.microsoft.com/VisualStudio/2011/storyboarding/control"/>
+  </ds:schemaRefs>
+</ds:datastoreItem>
+</file>
+
+<file path=customXml/itemProps3.xml><?xml version="1.0" encoding="utf-8"?>
 <ds:datastoreItem xmlns:ds="http://schemas.openxmlformats.org/officeDocument/2006/customXml" ds:itemID="{4221CF5E-C9B2-436D-AED4-583078688AB8}">
   <ds:schemaRefs>
     <ds:schemaRef ds:uri="http://schemas.microsoft.com/VisualStudio/2011/storyboarding/control"/>
@@ -5501,16 +5516,8 @@
 </ds:datastoreItem>
 </file>
 
-<file path=customXml/itemProps3.xml><?xml version="1.0" encoding="utf-8"?>
-<ds:datastoreItem xmlns:ds="http://schemas.openxmlformats.org/officeDocument/2006/customXml" ds:itemID="{65676791-3E50-4FF1-8800-0FCAF2DB5B7B}">
-  <ds:schemaRefs>
-    <ds:schemaRef ds:uri="http://schemas.microsoft.com/VisualStudio/2011/storyboarding/control"/>
-  </ds:schemaRefs>
-</ds:datastoreItem>
-</file>
-
 <file path=customXml/itemProps4.xml><?xml version="1.0" encoding="utf-8"?>
-<ds:datastoreItem xmlns:ds="http://schemas.openxmlformats.org/officeDocument/2006/customXml" ds:itemID="{E9BDF181-139B-4AA7-96EC-F171F462A447}">
+<ds:datastoreItem xmlns:ds="http://schemas.openxmlformats.org/officeDocument/2006/customXml" ds:itemID="{0F8FDCF6-8C05-45D7-8AF7-00DA52C2A97F}">
   <ds:schemaRefs>
     <ds:schemaRef ds:uri="http://schemas.microsoft.com/VisualStudio/2011/storyboarding/control"/>
   </ds:schemaRefs>
